--- a/poster.pptx
+++ b/poster.pptx
@@ -4440,368 +4440,6 @@
               </a:solidFill>
               <a:latin typeface="Helvetica" panose="020B0604020202020204" pitchFamily="34" charset="0"/>
             </a:endParaRPr>
-          </a:p>
-        </p:txBody>
-      </p:sp>
-      <p:sp>
-        <p:nvSpPr>
-          <p:cNvPr id="14339" name="Rectangle 9"/>
-          <p:cNvSpPr>
-            <a:spLocks noChangeArrowheads="1"/>
-          </p:cNvSpPr>
-          <p:nvPr/>
-        </p:nvSpPr>
-        <p:spPr bwMode="auto">
-          <a:xfrm>
-            <a:off x="771525" y="41817925"/>
-            <a:ext cx="21807488" cy="923925"/>
-          </a:xfrm>
-          <a:prstGeom prst="rect">
-            <a:avLst/>
-          </a:prstGeom>
-          <a:noFill/>
-          <a:ln>
-            <a:noFill/>
-          </a:ln>
-          <a:extLst>
-            <a:ext uri="{909E8E84-426E-40DD-AFC4-6F175D3DCCD1}">
-              <a14:hiddenFill xmlns:a14="http://schemas.microsoft.com/office/drawing/2010/main">
-                <a:solidFill>
-                  <a:srgbClr val="FFFFFF"/>
-                </a:solidFill>
-              </a14:hiddenFill>
-            </a:ext>
-            <a:ext uri="{91240B29-F687-4F45-9708-019B960494DF}">
-              <a14:hiddenLine xmlns:a14="http://schemas.microsoft.com/office/drawing/2010/main" w="9525">
-                <a:solidFill>
-                  <a:srgbClr val="000000"/>
-                </a:solidFill>
-                <a:miter lim="800000"/>
-                <a:headEnd/>
-                <a:tailEnd/>
-              </a14:hiddenLine>
-            </a:ext>
-          </a:extLst>
-        </p:spPr>
-        <p:txBody>
-          <a:bodyPr>
-            <a:spAutoFit/>
-          </a:bodyPr>
-          <a:lstStyle>
-            <a:lvl1pPr>
-              <a:defRPr sz="2300">
-                <a:solidFill>
-                  <a:schemeClr val="tx1"/>
-                </a:solidFill>
-                <a:latin typeface="Arial" panose="020B0604020202020204" pitchFamily="34" charset="0"/>
-                <a:ea typeface="ＭＳ Ｐゴシック" panose="020B0600070205080204" pitchFamily="34" charset="-128"/>
-              </a:defRPr>
-            </a:lvl1pPr>
-            <a:lvl2pPr marL="742950" indent="-285750">
-              <a:defRPr sz="2300">
-                <a:solidFill>
-                  <a:schemeClr val="tx1"/>
-                </a:solidFill>
-                <a:latin typeface="Arial" panose="020B0604020202020204" pitchFamily="34" charset="0"/>
-                <a:ea typeface="ＭＳ Ｐゴシック" panose="020B0600070205080204" pitchFamily="34" charset="-128"/>
-              </a:defRPr>
-            </a:lvl2pPr>
-            <a:lvl3pPr marL="1143000" indent="-228600">
-              <a:defRPr sz="2300">
-                <a:solidFill>
-                  <a:schemeClr val="tx1"/>
-                </a:solidFill>
-                <a:latin typeface="Arial" panose="020B0604020202020204" pitchFamily="34" charset="0"/>
-                <a:ea typeface="ＭＳ Ｐゴシック" panose="020B0600070205080204" pitchFamily="34" charset="-128"/>
-              </a:defRPr>
-            </a:lvl3pPr>
-            <a:lvl4pPr marL="1600200" indent="-228600">
-              <a:defRPr sz="2300">
-                <a:solidFill>
-                  <a:schemeClr val="tx1"/>
-                </a:solidFill>
-                <a:latin typeface="Arial" panose="020B0604020202020204" pitchFamily="34" charset="0"/>
-                <a:ea typeface="ＭＳ Ｐゴシック" panose="020B0600070205080204" pitchFamily="34" charset="-128"/>
-              </a:defRPr>
-            </a:lvl4pPr>
-            <a:lvl5pPr marL="2057400" indent="-228600">
-              <a:defRPr sz="2300">
-                <a:solidFill>
-                  <a:schemeClr val="tx1"/>
-                </a:solidFill>
-                <a:latin typeface="Arial" panose="020B0604020202020204" pitchFamily="34" charset="0"/>
-                <a:ea typeface="ＭＳ Ｐゴシック" panose="020B0600070205080204" pitchFamily="34" charset="-128"/>
-              </a:defRPr>
-            </a:lvl5pPr>
-            <a:lvl6pPr marL="2514600" indent="-228600" eaLnBrk="0" fontAlgn="base" hangingPunct="0">
-              <a:spcBef>
-                <a:spcPct val="0"/>
-              </a:spcBef>
-              <a:spcAft>
-                <a:spcPct val="0"/>
-              </a:spcAft>
-              <a:defRPr sz="2300">
-                <a:solidFill>
-                  <a:schemeClr val="tx1"/>
-                </a:solidFill>
-                <a:latin typeface="Arial" panose="020B0604020202020204" pitchFamily="34" charset="0"/>
-                <a:ea typeface="ＭＳ Ｐゴシック" panose="020B0600070205080204" pitchFamily="34" charset="-128"/>
-              </a:defRPr>
-            </a:lvl6pPr>
-            <a:lvl7pPr marL="2971800" indent="-228600" eaLnBrk="0" fontAlgn="base" hangingPunct="0">
-              <a:spcBef>
-                <a:spcPct val="0"/>
-              </a:spcBef>
-              <a:spcAft>
-                <a:spcPct val="0"/>
-              </a:spcAft>
-              <a:defRPr sz="2300">
-                <a:solidFill>
-                  <a:schemeClr val="tx1"/>
-                </a:solidFill>
-                <a:latin typeface="Arial" panose="020B0604020202020204" pitchFamily="34" charset="0"/>
-                <a:ea typeface="ＭＳ Ｐゴシック" panose="020B0600070205080204" pitchFamily="34" charset="-128"/>
-              </a:defRPr>
-            </a:lvl7pPr>
-            <a:lvl8pPr marL="3429000" indent="-228600" eaLnBrk="0" fontAlgn="base" hangingPunct="0">
-              <a:spcBef>
-                <a:spcPct val="0"/>
-              </a:spcBef>
-              <a:spcAft>
-                <a:spcPct val="0"/>
-              </a:spcAft>
-              <a:defRPr sz="2300">
-                <a:solidFill>
-                  <a:schemeClr val="tx1"/>
-                </a:solidFill>
-                <a:latin typeface="Arial" panose="020B0604020202020204" pitchFamily="34" charset="0"/>
-                <a:ea typeface="ＭＳ Ｐゴシック" panose="020B0600070205080204" pitchFamily="34" charset="-128"/>
-              </a:defRPr>
-            </a:lvl8pPr>
-            <a:lvl9pPr marL="3886200" indent="-228600" eaLnBrk="0" fontAlgn="base" hangingPunct="0">
-              <a:spcBef>
-                <a:spcPct val="0"/>
-              </a:spcBef>
-              <a:spcAft>
-                <a:spcPct val="0"/>
-              </a:spcAft>
-              <a:defRPr sz="2300">
-                <a:solidFill>
-                  <a:schemeClr val="tx1"/>
-                </a:solidFill>
-                <a:latin typeface="Arial" panose="020B0604020202020204" pitchFamily="34" charset="0"/>
-                <a:ea typeface="ＭＳ Ｐゴシック" panose="020B0600070205080204" pitchFamily="34" charset="-128"/>
-              </a:defRPr>
-            </a:lvl9pPr>
-          </a:lstStyle>
-          <a:p>
-            <a:pPr eaLnBrk="1" hangingPunct="1">
-              <a:spcBef>
-                <a:spcPct val="50000"/>
-              </a:spcBef>
-            </a:pPr>
-            <a:r>
-              <a:rPr lang="en-GB" altLang="zh-CN" sz="5400" dirty="0">
-                <a:solidFill>
-                  <a:schemeClr val="bg1"/>
-                </a:solidFill>
-                <a:latin typeface="Helvetica" panose="020B0604020202020204" pitchFamily="34" charset="0"/>
-              </a:rPr>
-              <a:t>Apex Data </a:t>
-            </a:r>
-            <a:r>
-              <a:rPr lang="en-US" altLang="zh-CN" sz="5400" dirty="0">
-                <a:solidFill>
-                  <a:schemeClr val="bg1"/>
-                </a:solidFill>
-                <a:latin typeface="Helvetica" panose="020B0604020202020204" pitchFamily="34" charset="0"/>
-              </a:rPr>
-              <a:t>&amp; Knowledge Management Lab</a:t>
-            </a:r>
-            <a:endParaRPr lang="en-GB" altLang="zh-CN" sz="5400" dirty="0">
-              <a:solidFill>
-                <a:schemeClr val="bg1"/>
-              </a:solidFill>
-              <a:latin typeface="Helvetica" panose="020B0604020202020204" pitchFamily="34" charset="0"/>
-            </a:endParaRPr>
-          </a:p>
-        </p:txBody>
-      </p:sp>
-      <p:sp>
-        <p:nvSpPr>
-          <p:cNvPr id="14340" name="Rectangle 5"/>
-          <p:cNvSpPr>
-            <a:spLocks noChangeArrowheads="1"/>
-          </p:cNvSpPr>
-          <p:nvPr/>
-        </p:nvSpPr>
-        <p:spPr bwMode="auto">
-          <a:xfrm>
-            <a:off x="22783800" y="41800463"/>
-            <a:ext cx="6969125" cy="923925"/>
-          </a:xfrm>
-          <a:prstGeom prst="rect">
-            <a:avLst/>
-          </a:prstGeom>
-          <a:noFill/>
-          <a:ln>
-            <a:noFill/>
-          </a:ln>
-          <a:extLst>
-            <a:ext uri="{909E8E84-426E-40DD-AFC4-6F175D3DCCD1}">
-              <a14:hiddenFill xmlns:a14="http://schemas.microsoft.com/office/drawing/2010/main">
-                <a:solidFill>
-                  <a:srgbClr val="FFFFFF"/>
-                </a:solidFill>
-              </a14:hiddenFill>
-            </a:ext>
-            <a:ext uri="{91240B29-F687-4F45-9708-019B960494DF}">
-              <a14:hiddenLine xmlns:a14="http://schemas.microsoft.com/office/drawing/2010/main" w="9525">
-                <a:solidFill>
-                  <a:srgbClr val="000000"/>
-                </a:solidFill>
-                <a:miter lim="800000"/>
-                <a:headEnd/>
-                <a:tailEnd/>
-              </a14:hiddenLine>
-            </a:ext>
-          </a:extLst>
-        </p:spPr>
-        <p:txBody>
-          <a:bodyPr>
-            <a:spAutoFit/>
-          </a:bodyPr>
-          <a:lstStyle>
-            <a:lvl1pPr>
-              <a:defRPr sz="2300">
-                <a:solidFill>
-                  <a:schemeClr val="tx1"/>
-                </a:solidFill>
-                <a:latin typeface="Arial" panose="020B0604020202020204" pitchFamily="34" charset="0"/>
-                <a:ea typeface="ＭＳ Ｐゴシック" panose="020B0600070205080204" pitchFamily="34" charset="-128"/>
-              </a:defRPr>
-            </a:lvl1pPr>
-            <a:lvl2pPr marL="742950" indent="-285750">
-              <a:defRPr sz="2300">
-                <a:solidFill>
-                  <a:schemeClr val="tx1"/>
-                </a:solidFill>
-                <a:latin typeface="Arial" panose="020B0604020202020204" pitchFamily="34" charset="0"/>
-                <a:ea typeface="ＭＳ Ｐゴシック" panose="020B0600070205080204" pitchFamily="34" charset="-128"/>
-              </a:defRPr>
-            </a:lvl2pPr>
-            <a:lvl3pPr marL="1143000" indent="-228600">
-              <a:defRPr sz="2300">
-                <a:solidFill>
-                  <a:schemeClr val="tx1"/>
-                </a:solidFill>
-                <a:latin typeface="Arial" panose="020B0604020202020204" pitchFamily="34" charset="0"/>
-                <a:ea typeface="ＭＳ Ｐゴシック" panose="020B0600070205080204" pitchFamily="34" charset="-128"/>
-              </a:defRPr>
-            </a:lvl3pPr>
-            <a:lvl4pPr marL="1600200" indent="-228600">
-              <a:defRPr sz="2300">
-                <a:solidFill>
-                  <a:schemeClr val="tx1"/>
-                </a:solidFill>
-                <a:latin typeface="Arial" panose="020B0604020202020204" pitchFamily="34" charset="0"/>
-                <a:ea typeface="ＭＳ Ｐゴシック" panose="020B0600070205080204" pitchFamily="34" charset="-128"/>
-              </a:defRPr>
-            </a:lvl4pPr>
-            <a:lvl5pPr marL="2057400" indent="-228600">
-              <a:defRPr sz="2300">
-                <a:solidFill>
-                  <a:schemeClr val="tx1"/>
-                </a:solidFill>
-                <a:latin typeface="Arial" panose="020B0604020202020204" pitchFamily="34" charset="0"/>
-                <a:ea typeface="ＭＳ Ｐゴシック" panose="020B0600070205080204" pitchFamily="34" charset="-128"/>
-              </a:defRPr>
-            </a:lvl5pPr>
-            <a:lvl6pPr marL="2514600" indent="-228600" eaLnBrk="0" fontAlgn="base" hangingPunct="0">
-              <a:spcBef>
-                <a:spcPct val="0"/>
-              </a:spcBef>
-              <a:spcAft>
-                <a:spcPct val="0"/>
-              </a:spcAft>
-              <a:defRPr sz="2300">
-                <a:solidFill>
-                  <a:schemeClr val="tx1"/>
-                </a:solidFill>
-                <a:latin typeface="Arial" panose="020B0604020202020204" pitchFamily="34" charset="0"/>
-                <a:ea typeface="ＭＳ Ｐゴシック" panose="020B0600070205080204" pitchFamily="34" charset="-128"/>
-              </a:defRPr>
-            </a:lvl6pPr>
-            <a:lvl7pPr marL="2971800" indent="-228600" eaLnBrk="0" fontAlgn="base" hangingPunct="0">
-              <a:spcBef>
-                <a:spcPct val="0"/>
-              </a:spcBef>
-              <a:spcAft>
-                <a:spcPct val="0"/>
-              </a:spcAft>
-              <a:defRPr sz="2300">
-                <a:solidFill>
-                  <a:schemeClr val="tx1"/>
-                </a:solidFill>
-                <a:latin typeface="Arial" panose="020B0604020202020204" pitchFamily="34" charset="0"/>
-                <a:ea typeface="ＭＳ Ｐゴシック" panose="020B0600070205080204" pitchFamily="34" charset="-128"/>
-              </a:defRPr>
-            </a:lvl7pPr>
-            <a:lvl8pPr marL="3429000" indent="-228600" eaLnBrk="0" fontAlgn="base" hangingPunct="0">
-              <a:spcBef>
-                <a:spcPct val="0"/>
-              </a:spcBef>
-              <a:spcAft>
-                <a:spcPct val="0"/>
-              </a:spcAft>
-              <a:defRPr sz="2300">
-                <a:solidFill>
-                  <a:schemeClr val="tx1"/>
-                </a:solidFill>
-                <a:latin typeface="Arial" panose="020B0604020202020204" pitchFamily="34" charset="0"/>
-                <a:ea typeface="ＭＳ Ｐゴシック" panose="020B0600070205080204" pitchFamily="34" charset="-128"/>
-              </a:defRPr>
-            </a:lvl8pPr>
-            <a:lvl9pPr marL="3886200" indent="-228600" eaLnBrk="0" fontAlgn="base" hangingPunct="0">
-              <a:spcBef>
-                <a:spcPct val="0"/>
-              </a:spcBef>
-              <a:spcAft>
-                <a:spcPct val="0"/>
-              </a:spcAft>
-              <a:defRPr sz="2300">
-                <a:solidFill>
-                  <a:schemeClr val="tx1"/>
-                </a:solidFill>
-                <a:latin typeface="Arial" panose="020B0604020202020204" pitchFamily="34" charset="0"/>
-                <a:ea typeface="ＭＳ Ｐゴシック" panose="020B0600070205080204" pitchFamily="34" charset="-128"/>
-              </a:defRPr>
-            </a:lvl9pPr>
-          </a:lstStyle>
-          <a:p>
-            <a:pPr algn="r" eaLnBrk="1" hangingPunct="1">
-              <a:spcBef>
-                <a:spcPct val="50000"/>
-              </a:spcBef>
-            </a:pPr>
-            <a:r>
-              <a:rPr lang="en-US" altLang="zh-CN" sz="5400" dirty="0">
-                <a:solidFill>
-                  <a:schemeClr val="bg1"/>
-                </a:solidFill>
-                <a:latin typeface="Helvetica" panose="020B0604020202020204" pitchFamily="34" charset="0"/>
-              </a:rPr>
-              <a:t>http://</a:t>
-            </a:r>
-            <a:r>
-              <a:rPr lang="en-GB" altLang="zh-CN" sz="5400" dirty="0">
-                <a:solidFill>
-                  <a:schemeClr val="bg1"/>
-                </a:solidFill>
-                <a:latin typeface="Helvetica" panose="020B0604020202020204" pitchFamily="34" charset="0"/>
-              </a:rPr>
-              <a:t>apex.sjtu.edu.cn</a:t>
-            </a:r>
           </a:p>
         </p:txBody>
       </p:sp>
